--- a/Course/FPGA_Design_and_Laboratory/week10/FPGA_camera.pptx
+++ b/Course/FPGA_Design_and_Laboratory/week10/FPGA_camera.pptx
@@ -22,8 +22,8 @@
     <p:sldId id="265" r:id="rId16"/>
     <p:sldId id="266" r:id="rId17"/>
     <p:sldId id="267" r:id="rId18"/>
-    <p:sldId id="273" r:id="rId19"/>
-    <p:sldId id="274" r:id="rId20"/>
+    <p:sldId id="274" r:id="rId19"/>
+    <p:sldId id="273" r:id="rId20"/>
   </p:sldIdLst>
   <p:sldSz cx="9144000" cy="6858000" type="screen4x3"/>
   <p:notesSz cx="6858000" cy="9144000"/>
@@ -4682,33 +4682,219 @@
           <a:bodyPr/>
           <a:lstStyle/>
           <a:p>
+            <a:r>
+              <a:rPr lang="zh-TW" altLang="en-US" dirty="0" smtClean="0"/>
+              <a:t>螢幕座</a:t>
+            </a:r>
+            <a:r>
+              <a:rPr lang="zh-TW" altLang="en-US" dirty="0"/>
+              <a:t>標</a:t>
+            </a:r>
+          </a:p>
+        </p:txBody>
+      </p:sp>
+      <p:sp>
+        <p:nvSpPr>
+          <p:cNvPr id="4" name="矩形 3"/>
+          <p:cNvSpPr/>
+          <p:nvPr/>
+        </p:nvSpPr>
+        <p:spPr>
+          <a:xfrm>
+            <a:off x="1475656" y="1949797"/>
+            <a:ext cx="6419056" cy="3826768"/>
+          </a:xfrm>
+          <a:prstGeom prst="rect">
+            <a:avLst/>
+          </a:prstGeom>
+        </p:spPr>
+        <p:style>
+          <a:lnRef idx="2">
+            <a:schemeClr val="accent1">
+              <a:shade val="50000"/>
+            </a:schemeClr>
+          </a:lnRef>
+          <a:fillRef idx="1">
+            <a:schemeClr val="accent1"/>
+          </a:fillRef>
+          <a:effectRef idx="0">
+            <a:schemeClr val="accent1"/>
+          </a:effectRef>
+          <a:fontRef idx="minor">
+            <a:schemeClr val="lt1"/>
+          </a:fontRef>
+        </p:style>
+        <p:txBody>
+          <a:bodyPr rtlCol="0" anchor="ctr"/>
+          <a:lstStyle/>
+          <a:p>
+            <a:pPr algn="ctr"/>
             <a:endParaRPr lang="zh-TW" altLang="en-US"/>
           </a:p>
         </p:txBody>
       </p:sp>
       <p:sp>
         <p:nvSpPr>
-          <p:cNvPr id="3" name="內容版面配置區 2"/>
-          <p:cNvSpPr>
-            <a:spLocks noGrp="1"/>
-          </p:cNvSpPr>
-          <p:nvPr>
-            <p:ph idx="1"/>
-          </p:nvPr>
-        </p:nvSpPr>
-        <p:spPr/>
-        <p:txBody>
-          <a:bodyPr/>
-          <a:lstStyle/>
-          <a:p>
-            <a:endParaRPr lang="zh-TW" altLang="en-US"/>
+          <p:cNvPr id="5" name="文字方塊 4"/>
+          <p:cNvSpPr txBox="1"/>
+          <p:nvPr/>
+        </p:nvSpPr>
+        <p:spPr>
+          <a:xfrm>
+            <a:off x="7380312" y="1572063"/>
+            <a:ext cx="851515" cy="369332"/>
+          </a:xfrm>
+          <a:prstGeom prst="rect">
+            <a:avLst/>
+          </a:prstGeom>
+          <a:noFill/>
+        </p:spPr>
+        <p:txBody>
+          <a:bodyPr wrap="none" rtlCol="0">
+            <a:spAutoFit/>
+          </a:bodyPr>
+          <a:lstStyle/>
+          <a:p>
+            <a:r>
+              <a:rPr lang="en-US" altLang="zh-TW" dirty="0" smtClean="0"/>
+              <a:t>(46,23)</a:t>
+            </a:r>
+            <a:endParaRPr lang="zh-TW" altLang="en-US" dirty="0"/>
+          </a:p>
+        </p:txBody>
+      </p:sp>
+      <p:sp>
+        <p:nvSpPr>
+          <p:cNvPr id="6" name="文字方塊 5"/>
+          <p:cNvSpPr txBox="1"/>
+          <p:nvPr/>
+        </p:nvSpPr>
+        <p:spPr>
+          <a:xfrm>
+            <a:off x="1049898" y="1572063"/>
+            <a:ext cx="968535" cy="369332"/>
+          </a:xfrm>
+          <a:prstGeom prst="rect">
+            <a:avLst/>
+          </a:prstGeom>
+          <a:noFill/>
+        </p:spPr>
+        <p:txBody>
+          <a:bodyPr wrap="none" rtlCol="0">
+            <a:spAutoFit/>
+          </a:bodyPr>
+          <a:lstStyle/>
+          <a:p>
+            <a:r>
+              <a:rPr lang="en-US" altLang="zh-TW" dirty="0" smtClean="0"/>
+              <a:t>(845,23)</a:t>
+            </a:r>
+            <a:endParaRPr lang="zh-TW" altLang="en-US" dirty="0"/>
+          </a:p>
+        </p:txBody>
+      </p:sp>
+      <p:sp>
+        <p:nvSpPr>
+          <p:cNvPr id="7" name="文字方塊 6"/>
+          <p:cNvSpPr txBox="1"/>
+          <p:nvPr/>
+        </p:nvSpPr>
+        <p:spPr>
+          <a:xfrm>
+            <a:off x="7380312" y="5823134"/>
+            <a:ext cx="968535" cy="369332"/>
+          </a:xfrm>
+          <a:prstGeom prst="rect">
+            <a:avLst/>
+          </a:prstGeom>
+          <a:noFill/>
+        </p:spPr>
+        <p:txBody>
+          <a:bodyPr wrap="none" rtlCol="0">
+            <a:spAutoFit/>
+          </a:bodyPr>
+          <a:lstStyle/>
+          <a:p>
+            <a:r>
+              <a:rPr lang="en-US" altLang="zh-TW" dirty="0" smtClean="0"/>
+              <a:t>(46,502)</a:t>
+            </a:r>
+            <a:endParaRPr lang="zh-TW" altLang="en-US" dirty="0"/>
+          </a:p>
+        </p:txBody>
+      </p:sp>
+      <p:sp>
+        <p:nvSpPr>
+          <p:cNvPr id="8" name="文字方塊 7"/>
+          <p:cNvSpPr txBox="1"/>
+          <p:nvPr/>
+        </p:nvSpPr>
+        <p:spPr>
+          <a:xfrm>
+            <a:off x="991388" y="5823134"/>
+            <a:ext cx="1085554" cy="369332"/>
+          </a:xfrm>
+          <a:prstGeom prst="rect">
+            <a:avLst/>
+          </a:prstGeom>
+          <a:noFill/>
+        </p:spPr>
+        <p:txBody>
+          <a:bodyPr wrap="none" rtlCol="0">
+            <a:spAutoFit/>
+          </a:bodyPr>
+          <a:lstStyle/>
+          <a:p>
+            <a:r>
+              <a:rPr lang="en-US" altLang="zh-TW" dirty="0" smtClean="0"/>
+              <a:t>(845,502)</a:t>
+            </a:r>
+            <a:endParaRPr lang="zh-TW" altLang="en-US" dirty="0"/>
+          </a:p>
+        </p:txBody>
+      </p:sp>
+      <p:sp>
+        <p:nvSpPr>
+          <p:cNvPr id="9" name="文字方塊 8"/>
+          <p:cNvSpPr txBox="1"/>
+          <p:nvPr/>
+        </p:nvSpPr>
+        <p:spPr>
+          <a:xfrm>
+            <a:off x="4142407" y="3678515"/>
+            <a:ext cx="1085554" cy="369332"/>
+          </a:xfrm>
+          <a:prstGeom prst="rect">
+            <a:avLst/>
+          </a:prstGeom>
+          <a:noFill/>
+        </p:spPr>
+        <p:txBody>
+          <a:bodyPr wrap="none" rtlCol="0">
+            <a:spAutoFit/>
+          </a:bodyPr>
+          <a:lstStyle/>
+          <a:p>
+            <a:r>
+              <a:rPr lang="en-US" altLang="zh-TW" dirty="0" smtClean="0">
+                <a:solidFill>
+                  <a:schemeClr val="bg1"/>
+                </a:solidFill>
+              </a:rPr>
+              <a:t>(446,263)</a:t>
+            </a:r>
+            <a:endParaRPr lang="zh-TW" altLang="en-US" dirty="0">
+              <a:solidFill>
+                <a:schemeClr val="bg1"/>
+              </a:solidFill>
+            </a:endParaRPr>
           </a:p>
         </p:txBody>
       </p:sp>
     </p:spTree>
     <p:extLst>
       <p:ext uri="{BB962C8B-B14F-4D97-AF65-F5344CB8AC3E}">
-        <p14:creationId xmlns:p14="http://schemas.microsoft.com/office/powerpoint/2010/main" val="988385817"/>
+        <p14:creationId xmlns:p14="http://schemas.microsoft.com/office/powerpoint/2010/main" val="1107852360"/>
       </p:ext>
     </p:extLst>
   </p:cSld>
@@ -4750,6 +4936,10 @@
           <a:bodyPr/>
           <a:lstStyle/>
           <a:p>
+            <a:r>
+              <a:rPr lang="zh-TW" altLang="en-US" dirty="0" smtClean="0"/>
+              <a:t>畫點</a:t>
+            </a:r>
             <a:endParaRPr lang="zh-TW" altLang="en-US" dirty="0"/>
           </a:p>
         </p:txBody>
@@ -4776,7 +4966,7 @@
     </p:spTree>
     <p:extLst>
       <p:ext uri="{BB962C8B-B14F-4D97-AF65-F5344CB8AC3E}">
-        <p14:creationId xmlns:p14="http://schemas.microsoft.com/office/powerpoint/2010/main" val="1107852360"/>
+        <p14:creationId xmlns:p14="http://schemas.microsoft.com/office/powerpoint/2010/main" val="988385817"/>
       </p:ext>
     </p:extLst>
   </p:cSld>
